--- a/translations/en-us/Project/ProjectNextLevel.pptx
+++ b/translations/en-us/Project/ProjectNextLevel.pptx
@@ -219,7 +219,7 @@
             <a:fld id="{A78B980B-A051-5042-A199-B77431CF73D3}" type="datetimeFigureOut">
               <a:rPr lang="en-US" smtClean="0"/>
               <a:pPr/>
-              <a:t>7/30/19</a:t>
+              <a:t>5/29/23</a:t>
             </a:fld>
             <a:endParaRPr lang="en-US"/>
           </a:p>
@@ -823,9 +823,9 @@
             </a:lvl1pPr>
           </a:lstStyle>
           <a:p>
-            <a:fld id="{5AA7687D-1164-9047-8487-D207C9EA4DAA}" type="datetime1">
+            <a:fld id="{335FEEE4-A5EE-3F43-A8D0-46BEEF8EC72A}" type="datetime1">
               <a:rPr lang="en-US" smtClean="0"/>
-              <a:t>7/30/19</a:t>
+              <a:t>5/29/23</a:t>
             </a:fld>
             <a:endParaRPr lang="en-US" dirty="0"/>
           </a:p>
@@ -867,7 +867,7 @@
           <a:p>
             <a:r>
               <a:rPr lang="en-US"/>
-              <a:t>© 2019, FLL Tutorials (Last Edit 7/30/2019)</a:t>
+              <a:t>© 2023, FLLTutorials.com (Last Edit 5/29/2023)</a:t>
             </a:r>
             <a:endParaRPr lang="en-US" dirty="0"/>
           </a:p>
@@ -1134,9 +1134,9 @@
           <a:bodyPr/>
           <a:lstStyle/>
           <a:p>
-            <a:fld id="{4604C880-13BC-5F4B-AF22-AED474D2C67C}" type="datetime1">
+            <a:fld id="{38C02735-074B-9A4F-8C82-C803857F6992}" type="datetime1">
               <a:rPr lang="en-US" smtClean="0"/>
-              <a:t>7/30/19</a:t>
+              <a:t>5/29/23</a:t>
             </a:fld>
             <a:endParaRPr lang="en-US" dirty="0"/>
           </a:p>
@@ -1167,7 +1167,7 @@
           <a:p>
             <a:r>
               <a:rPr lang="en-US"/>
-              <a:t>© 2019, FLL Tutorials (Last Edit 7/30/2019)</a:t>
+              <a:t>© 2023, FLLTutorials.com (Last Edit 5/29/2023)</a:t>
             </a:r>
             <a:endParaRPr lang="en-US" dirty="0"/>
           </a:p>
@@ -1393,9 +1393,9 @@
             </a:lvl1pPr>
           </a:lstStyle>
           <a:p>
-            <a:fld id="{798383EA-031C-B947-9F73-496E7ECB7742}" type="datetime1">
+            <a:fld id="{A5985DCF-D810-CF4B-A7C0-20429251B57F}" type="datetime1">
               <a:rPr lang="en-US" smtClean="0"/>
-              <a:t>7/30/19</a:t>
+              <a:t>5/29/23</a:t>
             </a:fld>
             <a:endParaRPr lang="en-US" dirty="0"/>
           </a:p>
@@ -1426,7 +1426,7 @@
           <a:p>
             <a:r>
               <a:rPr lang="en-US"/>
-              <a:t>© 2019, FLL Tutorials (Last Edit 7/30/2019)</a:t>
+              <a:t>© 2023, FLLTutorials.com (Last Edit 5/29/2023)</a:t>
             </a:r>
             <a:endParaRPr lang="en-US" dirty="0"/>
           </a:p>
@@ -1682,9 +1682,9 @@
             </a:lvl1pPr>
           </a:lstStyle>
           <a:p>
-            <a:fld id="{FFD1654B-53E0-0B40-83B9-6A38B3C2E007}" type="datetime1">
+            <a:fld id="{A26801F6-6C5D-9E4D-A405-97FB64359095}" type="datetime1">
               <a:rPr lang="en-US" smtClean="0"/>
-              <a:t>7/30/19</a:t>
+              <a:t>5/29/23</a:t>
             </a:fld>
             <a:endParaRPr lang="en-US" dirty="0"/>
           </a:p>
@@ -1729,7 +1729,7 @@
           <a:p>
             <a:r>
               <a:rPr lang="en-US"/>
-              <a:t>© 2019, FLL Tutorials (Last Edit 7/30/2019)</a:t>
+              <a:t>© 2023, FLLTutorials.com (Last Edit 5/29/2023)</a:t>
             </a:r>
             <a:endParaRPr lang="en-US" dirty="0"/>
           </a:p>
@@ -2138,7 +2138,7 @@
             <a:fld id="{B61BEF0D-F0BB-DE4B-95CE-6DB70DBA9567}" type="datetimeFigureOut">
               <a:rPr lang="en-US" smtClean="0"/>
               <a:pPr/>
-              <a:t>7/30/19</a:t>
+              <a:t>5/29/23</a:t>
             </a:fld>
             <a:endParaRPr lang="en-US" dirty="0"/>
           </a:p>
@@ -2693,9 +2693,9 @@
           <a:bodyPr/>
           <a:lstStyle/>
           <a:p>
-            <a:fld id="{5D94C2C7-5E3F-6343-B441-A93C1B63FD78}" type="datetime1">
+            <a:fld id="{A1870FF3-3A0F-3548-A647-0BA076A387EF}" type="datetime1">
               <a:rPr lang="en-US" smtClean="0"/>
-              <a:t>7/30/19</a:t>
+              <a:t>5/29/23</a:t>
             </a:fld>
             <a:endParaRPr lang="en-US" dirty="0"/>
           </a:p>
@@ -2726,7 +2726,7 @@
           <a:p>
             <a:r>
               <a:rPr lang="en-US"/>
-              <a:t>© 2019, FLL Tutorials (Last Edit 7/30/2019)</a:t>
+              <a:t>© 2023, FLLTutorials.com (Last Edit 5/29/2023)</a:t>
             </a:r>
             <a:endParaRPr lang="en-US" dirty="0"/>
           </a:p>
@@ -3143,9 +3143,9 @@
           <a:bodyPr/>
           <a:lstStyle/>
           <a:p>
-            <a:fld id="{7F8C67A4-7D62-9A48-A2F1-A39EAED3B818}" type="datetime1">
+            <a:fld id="{FAAD6092-D6B6-7C4C-971B-203F5F508312}" type="datetime1">
               <a:rPr lang="en-US" smtClean="0"/>
-              <a:t>7/30/19</a:t>
+              <a:t>5/29/23</a:t>
             </a:fld>
             <a:endParaRPr lang="en-US" dirty="0"/>
           </a:p>
@@ -3176,7 +3176,7 @@
           <a:p>
             <a:r>
               <a:rPr lang="en-US"/>
-              <a:t>© 2019, FLL Tutorials (Last Edit 7/30/2019)</a:t>
+              <a:t>© 2023, FLLTutorials.com (Last Edit 5/29/2023)</a:t>
             </a:r>
             <a:endParaRPr lang="en-US" dirty="0"/>
           </a:p>
@@ -3329,9 +3329,9 @@
           <a:bodyPr/>
           <a:lstStyle/>
           <a:p>
-            <a:fld id="{1AABC87A-9A6B-3049-A898-961B54138FAC}" type="datetime1">
+            <a:fld id="{5D064307-B20B-084C-BC16-46055FA55923}" type="datetime1">
               <a:rPr lang="en-US" smtClean="0"/>
-              <a:t>7/30/19</a:t>
+              <a:t>5/29/23</a:t>
             </a:fld>
             <a:endParaRPr lang="en-US" dirty="0"/>
           </a:p>
@@ -3362,7 +3362,7 @@
           <a:p>
             <a:r>
               <a:rPr lang="en-US"/>
-              <a:t>© 2019, FLL Tutorials (Last Edit 7/30/2019)</a:t>
+              <a:t>© 2023, FLLTutorials.com (Last Edit 5/29/2023)</a:t>
             </a:r>
             <a:endParaRPr lang="en-US" dirty="0"/>
           </a:p>
@@ -3453,9 +3453,9 @@
           <a:bodyPr/>
           <a:lstStyle/>
           <a:p>
-            <a:fld id="{89B40CA4-56B1-BA43-8363-38568D6C832C}" type="datetime1">
+            <a:fld id="{BFC80210-E627-FC4E-99A8-C091F83803F9}" type="datetime1">
               <a:rPr lang="en-US" smtClean="0"/>
-              <a:t>7/30/19</a:t>
+              <a:t>5/29/23</a:t>
             </a:fld>
             <a:endParaRPr lang="en-US" dirty="0"/>
           </a:p>
@@ -3486,7 +3486,7 @@
           <a:p>
             <a:r>
               <a:rPr lang="en-US"/>
-              <a:t>© 2019, FLL Tutorials (Last Edit 7/30/2019)</a:t>
+              <a:t>© 2023, FLLTutorials.com (Last Edit 5/29/2023)</a:t>
             </a:r>
             <a:endParaRPr lang="en-US" dirty="0"/>
           </a:p>
@@ -3860,9 +3860,9 @@
             </a:lvl1pPr>
           </a:lstStyle>
           <a:p>
-            <a:fld id="{ED455495-9717-8E40-A5FE-C8A6F3BA8B47}" type="datetime1">
+            <a:fld id="{625FB214-1193-4C4F-8B80-D793FD3E6208}" type="datetime1">
               <a:rPr lang="en-US" smtClean="0"/>
-              <a:t>7/30/19</a:t>
+              <a:t>5/29/23</a:t>
             </a:fld>
             <a:endParaRPr lang="en-US" dirty="0"/>
           </a:p>
@@ -3904,7 +3904,7 @@
           <a:p>
             <a:r>
               <a:rPr lang="en-US"/>
-              <a:t>© 2019, FLL Tutorials (Last Edit 7/30/2019)</a:t>
+              <a:t>© 2023, FLLTutorials.com (Last Edit 5/29/2023)</a:t>
             </a:r>
             <a:endParaRPr lang="en-US" dirty="0"/>
           </a:p>
@@ -4178,9 +4178,9 @@
           <a:bodyPr/>
           <a:lstStyle/>
           <a:p>
-            <a:fld id="{7D13B1FB-A6D4-7244-9541-DF3D34553CCE}" type="datetime1">
+            <a:fld id="{59464F63-1BF4-D641-97D5-F86B16EEC2C0}" type="datetime1">
               <a:rPr lang="en-US" smtClean="0"/>
-              <a:t>7/30/19</a:t>
+              <a:t>5/29/23</a:t>
             </a:fld>
             <a:endParaRPr lang="en-US" dirty="0"/>
           </a:p>
@@ -4211,7 +4211,7 @@
           <a:p>
             <a:r>
               <a:rPr lang="en-US"/>
-              <a:t>© 2019, FLL Tutorials (Last Edit 7/30/2019)</a:t>
+              <a:t>© 2023, FLLTutorials.com (Last Edit 5/29/2023)</a:t>
             </a:r>
             <a:endParaRPr lang="en-US" dirty="0"/>
           </a:p>
@@ -4530,9 +4530,9 @@
             </a:lvl1pPr>
           </a:lstStyle>
           <a:p>
-            <a:fld id="{01CA001E-D667-5146-B1B2-B88157DACA18}" type="datetime1">
+            <a:fld id="{ADAEF8DE-A446-414D-B37B-8705B4D45299}" type="datetime1">
               <a:rPr lang="en-US" smtClean="0"/>
-              <a:t>7/30/19</a:t>
+              <a:t>5/29/23</a:t>
             </a:fld>
             <a:endParaRPr lang="en-US" dirty="0"/>
           </a:p>
@@ -4580,7 +4580,7 @@
           <a:p>
             <a:r>
               <a:rPr lang="en-US"/>
-              <a:t>© 2019, FLL Tutorials (Last Edit 7/30/2019)</a:t>
+              <a:t>© 2023, FLLTutorials.com (Last Edit 5/29/2023)</a:t>
             </a:r>
             <a:endParaRPr lang="en-US" dirty="0"/>
           </a:p>
@@ -5072,13 +5072,6 @@
               <a:rPr lang="en-US" dirty="0"/>
               <a:t>Taking your innovation Project to the next level</a:t>
             </a:r>
-            <a:br>
-              <a:rPr lang="en-US" dirty="0"/>
-            </a:br>
-            <a:r>
-              <a:rPr lang="en-US" dirty="0"/>
-              <a:t>Tips from three GIA TEAMS</a:t>
-            </a:r>
           </a:p>
         </p:txBody>
       </p:sp>
@@ -5469,9 +5462,10 @@
           <a:lstStyle/>
           <a:p>
             <a:r>
-              <a:rPr lang="en-US" dirty="0"/>
-              <a:t>© 2019, FLL Tutorials (Last Edit 7/30/2019)</a:t>
-            </a:r>
+              <a:rPr lang="en-US"/>
+              <a:t>© 2023, FLLTutorials.com (Last Edit 5/29/2023)</a:t>
+            </a:r>
+            <a:endParaRPr lang="en-US" dirty="0"/>
           </a:p>
         </p:txBody>
       </p:sp>
@@ -5596,9 +5590,10 @@
           <a:lstStyle/>
           <a:p>
             <a:r>
-              <a:rPr lang="en-US" dirty="0"/>
-              <a:t>© 2019, FLL Tutorials (Last Edit 7/30/2019)</a:t>
-            </a:r>
+              <a:rPr lang="en-US"/>
+              <a:t>© 2023, FLLTutorials.com (Last Edit 5/29/2023)</a:t>
+            </a:r>
+            <a:endParaRPr lang="en-US" dirty="0"/>
           </a:p>
         </p:txBody>
       </p:sp>
@@ -5708,35 +5703,15 @@
             <a:pPr lvl="1"/>
             <a:r>
               <a:rPr lang="en-US" sz="1600" dirty="0"/>
-              <a:t>All three authors are Global Innovation Award Top 20 Teams</a:t>
+              <a:t>Sharon Tiger Techs (2019), LEGO Legion (2018), Not the Droids You Are Looking For (2016) - All three authors are Global Innovation Award Top 20 Teams </a:t>
             </a:r>
           </a:p>
           <a:p>
             <a:pPr lvl="1"/>
             <a:r>
               <a:rPr lang="en-US" sz="1600" dirty="0"/>
-              <a:t>Sharon Tiger Techs (2019), LEGO Legion (2018), Not the Droids You Are Looking For (2016)</a:t>
-            </a:r>
-          </a:p>
-          <a:p>
-            <a:pPr lvl="1"/>
-            <a:r>
-              <a:rPr lang="en-US" sz="1600" dirty="0"/>
-              <a:t>LEGO Legion was a Finalist and won $5000. Read about it here: http://</a:t>
-            </a:r>
-            <a:r>
-              <a:rPr lang="en-US" sz="1600" dirty="0" err="1"/>
-              <a:t>legolegionfll.weebly.com</a:t>
-            </a:r>
-            <a:r>
-              <a:rPr lang="en-US" sz="1600" dirty="0"/>
-              <a:t>/global-</a:t>
-            </a:r>
-            <a:r>
-              <a:rPr lang="en-US" sz="1600" dirty="0" err="1"/>
-              <a:t>innovation.html</a:t>
-            </a:r>
-            <a:endParaRPr lang="en-US" sz="2000" dirty="0"/>
+              <a:t>Tips shared in this document helped the teams take their projects to the level of the Global Innovation Award (which existed until 2022)</a:t>
+            </a:r>
           </a:p>
         </p:txBody>
       </p:sp>
@@ -5756,9 +5731,10 @@
           <a:lstStyle/>
           <a:p>
             <a:r>
-              <a:rPr lang="en-US" dirty="0"/>
-              <a:t>© 2019, FLL Tutorials (Last Edit 7/30/2019)</a:t>
-            </a:r>
+              <a:rPr lang="en-US"/>
+              <a:t>© 2023, FLLTutorials.com (Last Edit 5/29/2023)</a:t>
+            </a:r>
+            <a:endParaRPr lang="en-US" dirty="0"/>
           </a:p>
         </p:txBody>
       </p:sp>
@@ -5865,9 +5841,10 @@
           <a:lstStyle/>
           <a:p>
             <a:r>
-              <a:rPr lang="en-US" dirty="0"/>
-              <a:t>© 2019, FLL Tutorials (Last Edit 7/30/2019)</a:t>
-            </a:r>
+              <a:rPr lang="en-US"/>
+              <a:t>© 2023, FLLTutorials.com (Last Edit 5/29/2023)</a:t>
+            </a:r>
+            <a:endParaRPr lang="en-US" dirty="0"/>
           </a:p>
         </p:txBody>
       </p:sp>
@@ -6252,7 +6229,7 @@
         <p:spPr>
           <a:xfrm>
             <a:off x="448092" y="1505583"/>
-            <a:ext cx="4667606" cy="4353215"/>
+            <a:ext cx="4254500" cy="4353215"/>
           </a:xfrm>
         </p:spPr>
         <p:txBody>
@@ -6296,18 +6273,19 @@
           <a:lstStyle/>
           <a:p>
             <a:r>
-              <a:rPr lang="en-US" dirty="0"/>
-              <a:t>© 2019, FLL Tutorials (Last Edit 7/30/2019)</a:t>
-            </a:r>
+              <a:rPr lang="en-US"/>
+              <a:t>© 2023, FLLTutorials.com (Last Edit 5/29/2023)</a:t>
+            </a:r>
+            <a:endParaRPr lang="en-US" dirty="0"/>
           </a:p>
         </p:txBody>
       </p:sp>
       <p:pic>
         <p:nvPicPr>
-          <p:cNvPr id="6" name="Picture Placeholder 11" descr="Screen Clipping">
+          <p:cNvPr id="6" name="Picture 5" descr="A picture containing text, screenshot, number, font&#10;&#10;Description automatically generated">
             <a:extLst>
               <a:ext uri="{FF2B5EF4-FFF2-40B4-BE49-F238E27FC236}">
-                <a16:creationId xmlns:a16="http://schemas.microsoft.com/office/drawing/2014/main" id="{2A861C93-9D4C-F244-8287-D10DE58C11E1}"/>
+                <a16:creationId xmlns:a16="http://schemas.microsoft.com/office/drawing/2014/main" id="{19E94781-7ECF-39A9-1B47-0717C406B1EA}"/>
               </a:ext>
             </a:extLst>
           </p:cNvPr>
@@ -6316,33 +6294,20 @@
           </p:cNvPicPr>
           <p:nvPr/>
         </p:nvPicPr>
-        <p:blipFill rotWithShape="1">
+        <p:blipFill>
           <a:blip r:embed="rId2"/>
-          <a:srcRect/>
-          <a:stretch/>
+          <a:stretch>
+            <a:fillRect/>
+          </a:stretch>
         </p:blipFill>
         <p:spPr>
           <a:xfrm>
-            <a:off x="5445165" y="1663123"/>
-            <a:ext cx="3125779" cy="4195675"/>
+            <a:off x="4736468" y="2065144"/>
+            <a:ext cx="3959440" cy="3135621"/>
           </a:xfrm>
           <a:prstGeom prst="rect">
             <a:avLst/>
           </a:prstGeom>
-          <a:ln w="38100" cap="sq">
-            <a:solidFill>
-              <a:srgbClr val="000000"/>
-            </a:solidFill>
-            <a:prstDash val="solid"/>
-            <a:miter lim="800000"/>
-          </a:ln>
-          <a:effectLst>
-            <a:outerShdw blurRad="50800" dist="38100" dir="2700000" algn="tl" rotWithShape="0">
-              <a:srgbClr val="000000">
-                <a:alpha val="43000"/>
-              </a:srgbClr>
-            </a:outerShdw>
-          </a:effectLst>
         </p:spPr>
       </p:pic>
     </p:spTree>
@@ -6478,9 +6443,10 @@
           <a:lstStyle/>
           <a:p>
             <a:r>
-              <a:rPr lang="en-US" dirty="0"/>
-              <a:t>© 2019, FLL Tutorials (Last Edit 7/30/2019)</a:t>
-            </a:r>
+              <a:rPr lang="en-US"/>
+              <a:t>© 2023, FLLTutorials.com (Last Edit 5/29/2023)</a:t>
+            </a:r>
+            <a:endParaRPr lang="en-US" dirty="0"/>
           </a:p>
         </p:txBody>
       </p:sp>
@@ -6708,9 +6674,10 @@
           <a:lstStyle/>
           <a:p>
             <a:r>
-              <a:rPr lang="en-US" dirty="0"/>
-              <a:t>© 2019, FLL Tutorials (Last Edit 7/30/2019)</a:t>
-            </a:r>
+              <a:rPr lang="en-US"/>
+              <a:t>© 2023, FLLTutorials.com (Last Edit 5/29/2023)</a:t>
+            </a:r>
+            <a:endParaRPr lang="en-US" dirty="0"/>
           </a:p>
         </p:txBody>
       </p:sp>
@@ -6978,9 +6945,10 @@
           <a:lstStyle/>
           <a:p>
             <a:r>
-              <a:rPr lang="en-US" dirty="0"/>
-              <a:t>© 2019, FLL Tutorials (Last Edit 7/30/2019)</a:t>
-            </a:r>
+              <a:rPr lang="en-US"/>
+              <a:t>© 2023, FLLTutorials.com (Last Edit 5/29/2023)</a:t>
+            </a:r>
+            <a:endParaRPr lang="en-US" dirty="0"/>
           </a:p>
         </p:txBody>
       </p:sp>
@@ -7314,9 +7282,10 @@
           <a:lstStyle/>
           <a:p>
             <a:r>
-              <a:rPr lang="en-US" dirty="0"/>
-              <a:t>© 2019, FLL Tutorials (Last Edit 7/30/2019)</a:t>
-            </a:r>
+              <a:rPr lang="en-US"/>
+              <a:t>© 2023, FLLTutorials.com (Last Edit 5/29/2023)</a:t>
+            </a:r>
+            <a:endParaRPr lang="en-US" dirty="0"/>
           </a:p>
         </p:txBody>
       </p:sp>
@@ -7430,7 +7399,7 @@
           <a:p>
             <a:r>
               <a:rPr lang="en-US"/>
-              <a:t>© 2019, FLL Tutorials (Last Edit 7/30/2019)</a:t>
+              <a:t>© 2023, FLLTutorials.com (Last Edit 5/29/2023)</a:t>
             </a:r>
             <a:endParaRPr lang="en-US" dirty="0"/>
           </a:p>
